--- a/preview/i18n/ja/docusaurus-plugin-content-docs/current/ref-info/images/resource/HowUID2Created_UID2ImplementationPlaybook.pptx
+++ b/preview/i18n/ja/docusaurus-plugin-content-docs/current/ref-info/images/resource/HowUID2Created_UID2ImplementationPlaybook.pptx
@@ -231,7 +231,7 @@
             <a:fld id="{91C16C1E-FEE2-294C-9E14-46B851FD2875}" type="datetimeFigureOut">
               <a:rPr lang="en-US" smtClean="0"/>
               <a:pPr/>
-              <a:t>2/24/2025</a:t>
+              <a:t>3/6/2025</a:t>
             </a:fld>
             <a:endParaRPr lang="en-US"/>
           </a:p>
@@ -21281,6 +21281,87 @@
       </p:grpSpPr>
       <p:sp>
         <p:nvSpPr>
+          <p:cNvPr id="11" name="Rectangle: Diagonal Corners Snipped 6">
+            <a:extLst>
+              <a:ext uri="{FF2B5EF4-FFF2-40B4-BE49-F238E27FC236}">
+                <a16:creationId xmlns:a16="http://schemas.microsoft.com/office/drawing/2014/main" id="{07B94B67-0FCE-E4DE-71D4-A2B9F7DB8016}"/>
+              </a:ext>
+            </a:extLst>
+          </p:cNvPr>
+          <p:cNvSpPr/>
+          <p:nvPr/>
+        </p:nvSpPr>
+        <p:spPr>
+          <a:xfrm>
+            <a:off x="959431" y="5184378"/>
+            <a:ext cx="3208136" cy="364371"/>
+          </a:xfrm>
+          <a:prstGeom prst="rect">
+            <a:avLst/>
+          </a:prstGeom>
+          <a:solidFill>
+            <a:srgbClr val="1CD2DE"/>
+          </a:solidFill>
+          <a:ln>
+            <a:solidFill>
+              <a:srgbClr val="1CD2DE"/>
+            </a:solidFill>
+          </a:ln>
+        </p:spPr>
+        <p:style>
+          <a:lnRef idx="2">
+            <a:schemeClr val="accent3">
+              <a:shade val="15000"/>
+            </a:schemeClr>
+          </a:lnRef>
+          <a:fillRef idx="1">
+            <a:schemeClr val="accent3"/>
+          </a:fillRef>
+          <a:effectRef idx="0">
+            <a:schemeClr val="accent3"/>
+          </a:effectRef>
+          <a:fontRef idx="minor">
+            <a:schemeClr val="lt1"/>
+          </a:fontRef>
+        </p:style>
+        <p:txBody>
+          <a:bodyPr rtlCol="0" anchor="ctr"/>
+          <a:lstStyle/>
+          <a:p>
+            <a:pPr algn="ctr"/>
+            <a:r>
+              <a:rPr lang="en-GB" sz="1000" i="1" dirty="0">
+                <a:solidFill>
+                  <a:schemeClr val="bg1"/>
+                </a:solidFill>
+              </a:rPr>
+              <a:t>* Can be done by publisher or </a:t>
+            </a:r>
+            <a:br>
+              <a:rPr lang="en-GB" sz="1000" i="1" dirty="0">
+                <a:solidFill>
+                  <a:schemeClr val="bg1"/>
+                </a:solidFill>
+              </a:rPr>
+            </a:br>
+            <a:r>
+              <a:rPr lang="en-GB" sz="1000" i="1" dirty="0">
+                <a:solidFill>
+                  <a:schemeClr val="bg1"/>
+                </a:solidFill>
+              </a:rPr>
+              <a:t>API (send request in plain text)</a:t>
+            </a:r>
+            <a:endParaRPr lang="en-US" sz="1000" dirty="0">
+              <a:solidFill>
+                <a:schemeClr val="bg1"/>
+              </a:solidFill>
+            </a:endParaRPr>
+          </a:p>
+        </p:txBody>
+      </p:sp>
+      <p:sp>
+        <p:nvSpPr>
           <p:cNvPr id="4" name="Title 1">
             <a:extLst>
               <a:ext uri="{FF2B5EF4-FFF2-40B4-BE49-F238E27FC236}">
@@ -21991,87 +22072,6 @@
               <a:rPr lang="en-US" sz="1400" dirty="0"/>
               <a:t>UID2 Token</a:t>
             </a:r>
-          </a:p>
-        </p:txBody>
-      </p:sp>
-      <p:sp>
-        <p:nvSpPr>
-          <p:cNvPr id="11" name="Rectangle: Diagonal Corners Snipped 6">
-            <a:extLst>
-              <a:ext uri="{FF2B5EF4-FFF2-40B4-BE49-F238E27FC236}">
-                <a16:creationId xmlns:a16="http://schemas.microsoft.com/office/drawing/2014/main" id="{07B94B67-0FCE-E4DE-71D4-A2B9F7DB8016}"/>
-              </a:ext>
-            </a:extLst>
-          </p:cNvPr>
-          <p:cNvSpPr/>
-          <p:nvPr/>
-        </p:nvSpPr>
-        <p:spPr>
-          <a:xfrm>
-            <a:off x="959431" y="5184378"/>
-            <a:ext cx="3208136" cy="364371"/>
-          </a:xfrm>
-          <a:prstGeom prst="rect">
-            <a:avLst/>
-          </a:prstGeom>
-          <a:solidFill>
-            <a:srgbClr val="1CD2DE"/>
-          </a:solidFill>
-          <a:ln>
-            <a:solidFill>
-              <a:srgbClr val="1CD2DE"/>
-            </a:solidFill>
-          </a:ln>
-        </p:spPr>
-        <p:style>
-          <a:lnRef idx="2">
-            <a:schemeClr val="accent3">
-              <a:shade val="15000"/>
-            </a:schemeClr>
-          </a:lnRef>
-          <a:fillRef idx="1">
-            <a:schemeClr val="accent3"/>
-          </a:fillRef>
-          <a:effectRef idx="0">
-            <a:schemeClr val="accent3"/>
-          </a:effectRef>
-          <a:fontRef idx="minor">
-            <a:schemeClr val="lt1"/>
-          </a:fontRef>
-        </p:style>
-        <p:txBody>
-          <a:bodyPr rtlCol="0" anchor="ctr"/>
-          <a:lstStyle/>
-          <a:p>
-            <a:pPr algn="ctr"/>
-            <a:r>
-              <a:rPr lang="en-GB" sz="1000" i="1" dirty="0">
-                <a:solidFill>
-                  <a:schemeClr val="bg1"/>
-                </a:solidFill>
-              </a:rPr>
-              <a:t>* Can be done by publisher or </a:t>
-            </a:r>
-            <a:br>
-              <a:rPr lang="en-GB" sz="1000" i="1" dirty="0">
-                <a:solidFill>
-                  <a:schemeClr val="bg1"/>
-                </a:solidFill>
-              </a:rPr>
-            </a:br>
-            <a:r>
-              <a:rPr lang="en-GB" sz="1000" i="1" dirty="0">
-                <a:solidFill>
-                  <a:schemeClr val="bg1"/>
-                </a:solidFill>
-              </a:rPr>
-              <a:t>API (send request in plain text)</a:t>
-            </a:r>
-            <a:endParaRPr lang="en-US" sz="1000" dirty="0">
-              <a:solidFill>
-                <a:schemeClr val="bg1"/>
-              </a:solidFill>
-            </a:endParaRPr>
           </a:p>
         </p:txBody>
       </p:sp>
@@ -23081,6 +23081,31 @@
 </file>
 
 <file path=customXml/item1.xml><?xml version="1.0" encoding="utf-8"?>
+<?mso-contentType ?>
+<FormTemplates xmlns="http://schemas.microsoft.com/sharepoint/v3/contenttype/forms">
+  <Display>DocumentLibraryForm</Display>
+  <Edit>DocumentLibraryForm</Edit>
+  <New>DocumentLibraryForm</New>
+</FormTemplates>
+</file>
+
+<file path=customXml/item2.xml><?xml version="1.0" encoding="utf-8"?>
+<p:properties xmlns:p="http://schemas.microsoft.com/office/2006/metadata/properties" xmlns:xsi="http://www.w3.org/2001/XMLSchema-instance" xmlns:pc="http://schemas.microsoft.com/office/infopath/2007/PartnerControls">
+  <documentManagement>
+    <MigrationWizIdPermissionLevels xmlns="c9e1d374-2cc8-4ad7-ac57-672bd4719810" xsi:nil="true"/>
+    <MigrationWizIdDocumentLibraryPermissions xmlns="c9e1d374-2cc8-4ad7-ac57-672bd4719810" xsi:nil="true"/>
+    <TaxCatchAll xmlns="d0219bc0-6c02-4013-9ac3-282d3151ce2e" xsi:nil="true"/>
+    <MigrationWizId xmlns="c9e1d374-2cc8-4ad7-ac57-672bd4719810" xsi:nil="true"/>
+    <MigrationWizIdPermissions xmlns="c9e1d374-2cc8-4ad7-ac57-672bd4719810" xsi:nil="true"/>
+    <MigrationWizIdSecurityGroups xmlns="c9e1d374-2cc8-4ad7-ac57-672bd4719810" xsi:nil="true"/>
+    <lcf76f155ced4ddcb4097134ff3c332f xmlns="c9e1d374-2cc8-4ad7-ac57-672bd4719810">
+      <Terms xmlns="http://schemas.microsoft.com/office/infopath/2007/PartnerControls"/>
+    </lcf76f155ced4ddcb4097134ff3c332f>
+  </documentManagement>
+</p:properties>
+</file>
+
+<file path=customXml/item3.xml><?xml version="1.0" encoding="utf-8"?>
 <ct:contentTypeSchema xmlns:ct="http://schemas.microsoft.com/office/2006/metadata/contentType" xmlns:ma="http://schemas.microsoft.com/office/2006/metadata/properties/metaAttributes" ct:_="" ma:_="" ma:contentTypeName="Document" ma:contentTypeID="0x010100E48B5D2F83D76C448A07B39BA1D0BE11" ma:contentTypeVersion="23" ma:contentTypeDescription="Create a new document." ma:contentTypeScope="" ma:versionID="5feb17c939512f52cd8f793c3130c307">
   <xsd:schema xmlns:xsd="http://www.w3.org/2001/XMLSchema" xmlns:xs="http://www.w3.org/2001/XMLSchema" xmlns:p="http://schemas.microsoft.com/office/2006/metadata/properties" xmlns:ns2="c9e1d374-2cc8-4ad7-ac57-672bd4719810" xmlns:ns3="d0219bc0-6c02-4013-9ac3-282d3151ce2e" targetNamespace="http://schemas.microsoft.com/office/2006/metadata/properties" ma:root="true" ma:fieldsID="dde59188cf093581f9e795560093f135" ns2:_="" ns3:_="">
     <xsd:import namespace="c9e1d374-2cc8-4ad7-ac57-672bd4719810"/>
@@ -23365,46 +23390,10 @@
 </ct:contentTypeSchema>
 </file>
 
-<file path=customXml/item2.xml><?xml version="1.0" encoding="utf-8"?>
-<p:properties xmlns:p="http://schemas.microsoft.com/office/2006/metadata/properties" xmlns:xsi="http://www.w3.org/2001/XMLSchema-instance" xmlns:pc="http://schemas.microsoft.com/office/infopath/2007/PartnerControls">
-  <documentManagement>
-    <MigrationWizIdPermissionLevels xmlns="c9e1d374-2cc8-4ad7-ac57-672bd4719810" xsi:nil="true"/>
-    <MigrationWizIdDocumentLibraryPermissions xmlns="c9e1d374-2cc8-4ad7-ac57-672bd4719810" xsi:nil="true"/>
-    <TaxCatchAll xmlns="d0219bc0-6c02-4013-9ac3-282d3151ce2e" xsi:nil="true"/>
-    <MigrationWizId xmlns="c9e1d374-2cc8-4ad7-ac57-672bd4719810" xsi:nil="true"/>
-    <MigrationWizIdPermissions xmlns="c9e1d374-2cc8-4ad7-ac57-672bd4719810" xsi:nil="true"/>
-    <MigrationWizIdSecurityGroups xmlns="c9e1d374-2cc8-4ad7-ac57-672bd4719810" xsi:nil="true"/>
-    <lcf76f155ced4ddcb4097134ff3c332f xmlns="c9e1d374-2cc8-4ad7-ac57-672bd4719810">
-      <Terms xmlns="http://schemas.microsoft.com/office/infopath/2007/PartnerControls"/>
-    </lcf76f155ced4ddcb4097134ff3c332f>
-  </documentManagement>
-</p:properties>
-</file>
-
-<file path=customXml/item3.xml><?xml version="1.0" encoding="utf-8"?>
-<?mso-contentType ?>
-<FormTemplates xmlns="http://schemas.microsoft.com/sharepoint/v3/contenttype/forms">
-  <Display>DocumentLibraryForm</Display>
-  <Edit>DocumentLibraryForm</Edit>
-  <New>DocumentLibraryForm</New>
-</FormTemplates>
-</file>
-
 <file path=customXml/itemProps1.xml><?xml version="1.0" encoding="utf-8"?>
-<ds:datastoreItem xmlns:ds="http://schemas.openxmlformats.org/officeDocument/2006/customXml" ds:itemID="{85D5A607-F60E-4151-B474-1B502784665C}">
+<ds:datastoreItem xmlns:ds="http://schemas.openxmlformats.org/officeDocument/2006/customXml" ds:itemID="{12914FD8-4AD6-4C8A-BEBA-218A9873FF18}">
   <ds:schemaRefs>
-    <ds:schemaRef ds:uri="http://schemas.microsoft.com/office/2006/metadata/contentType"/>
-    <ds:schemaRef ds:uri="http://schemas.microsoft.com/office/2006/metadata/properties/metaAttributes"/>
-    <ds:schemaRef ds:uri="http://www.w3.org/2001/XMLSchema"/>
-    <ds:schemaRef ds:uri="http://schemas.microsoft.com/office/2006/metadata/properties"/>
-    <ds:schemaRef ds:uri="c9e1d374-2cc8-4ad7-ac57-672bd4719810"/>
-    <ds:schemaRef ds:uri="d0219bc0-6c02-4013-9ac3-282d3151ce2e"/>
-    <ds:schemaRef ds:uri="http://schemas.microsoft.com/office/2006/documentManagement/types"/>
-    <ds:schemaRef ds:uri="http://schemas.microsoft.com/office/infopath/2007/PartnerControls"/>
-    <ds:schemaRef ds:uri="http://schemas.openxmlformats.org/package/2006/metadata/core-properties"/>
-    <ds:schemaRef ds:uri="http://purl.org/dc/elements/1.1/"/>
-    <ds:schemaRef ds:uri="http://purl.org/dc/terms/"/>
-    <ds:schemaRef ds:uri="http://schemas.microsoft.com/internal/obd"/>
+    <ds:schemaRef ds:uri="http://schemas.microsoft.com/sharepoint/v3/contenttype/forms"/>
   </ds:schemaRefs>
 </ds:datastoreItem>
 </file>
@@ -23427,9 +23416,20 @@
 </file>
 
 <file path=customXml/itemProps3.xml><?xml version="1.0" encoding="utf-8"?>
-<ds:datastoreItem xmlns:ds="http://schemas.openxmlformats.org/officeDocument/2006/customXml" ds:itemID="{12914FD8-4AD6-4C8A-BEBA-218A9873FF18}">
+<ds:datastoreItem xmlns:ds="http://schemas.openxmlformats.org/officeDocument/2006/customXml" ds:itemID="{85D5A607-F60E-4151-B474-1B502784665C}">
   <ds:schemaRefs>
-    <ds:schemaRef ds:uri="http://schemas.microsoft.com/sharepoint/v3/contenttype/forms"/>
+    <ds:schemaRef ds:uri="http://schemas.microsoft.com/office/2006/metadata/contentType"/>
+    <ds:schemaRef ds:uri="http://schemas.microsoft.com/office/2006/metadata/properties/metaAttributes"/>
+    <ds:schemaRef ds:uri="http://www.w3.org/2001/XMLSchema"/>
+    <ds:schemaRef ds:uri="http://schemas.microsoft.com/office/2006/metadata/properties"/>
+    <ds:schemaRef ds:uri="c9e1d374-2cc8-4ad7-ac57-672bd4719810"/>
+    <ds:schemaRef ds:uri="d0219bc0-6c02-4013-9ac3-282d3151ce2e"/>
+    <ds:schemaRef ds:uri="http://schemas.microsoft.com/office/2006/documentManagement/types"/>
+    <ds:schemaRef ds:uri="http://schemas.microsoft.com/office/infopath/2007/PartnerControls"/>
+    <ds:schemaRef ds:uri="http://schemas.openxmlformats.org/package/2006/metadata/core-properties"/>
+    <ds:schemaRef ds:uri="http://purl.org/dc/elements/1.1/"/>
+    <ds:schemaRef ds:uri="http://purl.org/dc/terms/"/>
+    <ds:schemaRef ds:uri="http://schemas.microsoft.com/internal/obd"/>
   </ds:schemaRefs>
 </ds:datastoreItem>
 </file>